--- a/20150203-how_to_make_webpages_that_dont_suck.pptx
+++ b/20150203-how_to_make_webpages_that_dont_suck.pptx
@@ -212,7 +212,7 @@
           <a:p>
             <a:fld id="{740616EA-7DD0-4941-A75A-3667382BAFA7}" type="datetimeFigureOut">
               <a:rPr lang="en-AU" smtClean="0"/>
-              <a:t>28/02/2015</a:t>
+              <a:t>6/06/2016</a:t>
             </a:fld>
             <a:endParaRPr lang="en-AU"/>
           </a:p>
@@ -378,7 +378,7 @@
           <a:p>
             <a:fld id="{587278A0-4A02-4D4B-A8AB-1E1752F8063F}" type="datetimeFigureOut">
               <a:rPr lang="en-AU" smtClean="0"/>
-              <a:t>28/02/2015</a:t>
+              <a:t>6/06/2016</a:t>
             </a:fld>
             <a:endParaRPr lang="en-AU"/>
           </a:p>
@@ -1458,7 +1458,7 @@
           <a:p>
             <a:fld id="{0EAB0777-4C60-462E-A92C-CDAFD498799C}" type="datetimeFigureOut">
               <a:rPr lang="en-US" smtClean="0"/>
-              <a:t>2/28/2015</a:t>
+              <a:t>6/6/2016</a:t>
             </a:fld>
             <a:endParaRPr lang="en-US"/>
           </a:p>
@@ -1627,7 +1627,7 @@
           <a:p>
             <a:fld id="{0EAB0777-4C60-462E-A92C-CDAFD498799C}" type="datetimeFigureOut">
               <a:rPr lang="en-US" smtClean="0"/>
-              <a:t>2/28/2015</a:t>
+              <a:t>6/6/2016</a:t>
             </a:fld>
             <a:endParaRPr lang="en-US"/>
           </a:p>
@@ -1873,7 +1873,7 @@
           <a:p>
             <a:fld id="{0EAB0777-4C60-462E-A92C-CDAFD498799C}" type="datetimeFigureOut">
               <a:rPr lang="en-US" smtClean="0"/>
-              <a:t>2/28/2015</a:t>
+              <a:t>6/6/2016</a:t>
             </a:fld>
             <a:endParaRPr lang="en-US"/>
           </a:p>
@@ -2141,7 +2141,7 @@
           <a:p>
             <a:fld id="{0EAB0777-4C60-462E-A92C-CDAFD498799C}" type="datetimeFigureOut">
               <a:rPr lang="en-US" smtClean="0"/>
-              <a:t>2/28/2015</a:t>
+              <a:t>6/6/2016</a:t>
             </a:fld>
             <a:endParaRPr lang="en-US"/>
           </a:p>
@@ -2523,7 +2523,7 @@
           <a:p>
             <a:fld id="{0EAB0777-4C60-462E-A92C-CDAFD498799C}" type="datetimeFigureOut">
               <a:rPr lang="en-US" smtClean="0"/>
-              <a:t>2/28/2015</a:t>
+              <a:t>6/6/2016</a:t>
             </a:fld>
             <a:endParaRPr lang="en-US"/>
           </a:p>
@@ -2677,7 +2677,7 @@
           <a:p>
             <a:fld id="{0EAB0777-4C60-462E-A92C-CDAFD498799C}" type="datetimeFigureOut">
               <a:rPr lang="en-US" smtClean="0"/>
-              <a:t>2/28/2015</a:t>
+              <a:t>6/6/2016</a:t>
             </a:fld>
             <a:endParaRPr lang="en-US"/>
           </a:p>
@@ -2771,7 +2771,7 @@
           <a:p>
             <a:fld id="{0EAB0777-4C60-462E-A92C-CDAFD498799C}" type="datetimeFigureOut">
               <a:rPr lang="en-US" smtClean="0"/>
-              <a:t>2/28/2015</a:t>
+              <a:t>6/6/2016</a:t>
             </a:fld>
             <a:endParaRPr lang="en-US"/>
           </a:p>
@@ -3036,7 +3036,7 @@
           <a:p>
             <a:fld id="{0EAB0777-4C60-462E-A92C-CDAFD498799C}" type="datetimeFigureOut">
               <a:rPr lang="en-US" smtClean="0"/>
-              <a:t>2/28/2015</a:t>
+              <a:t>6/6/2016</a:t>
             </a:fld>
             <a:endParaRPr lang="en-US"/>
           </a:p>
@@ -3519,7 +3519,7 @@
           <a:p>
             <a:fld id="{0EAB0777-4C60-462E-A92C-CDAFD498799C}" type="datetimeFigureOut">
               <a:rPr lang="en-US" smtClean="0"/>
-              <a:t>2/28/2015</a:t>
+              <a:t>6/6/2016</a:t>
             </a:fld>
             <a:endParaRPr lang="en-US"/>
           </a:p>
@@ -3995,7 +3995,7 @@
           <a:p>
             <a:fld id="{0EAB0777-4C60-462E-A92C-CDAFD498799C}" type="datetimeFigureOut">
               <a:rPr lang="en-US" smtClean="0"/>
-              <a:t>2/28/2015</a:t>
+              <a:t>6/6/2016</a:t>
             </a:fld>
             <a:endParaRPr lang="en-US"/>
           </a:p>
@@ -4174,7 +4174,7 @@
           <a:p>
             <a:fld id="{0EAB0777-4C60-462E-A92C-CDAFD498799C}" type="datetimeFigureOut">
               <a:rPr lang="en-US" smtClean="0"/>
-              <a:t>2/28/2015</a:t>
+              <a:t>6/6/2016</a:t>
             </a:fld>
             <a:endParaRPr lang="en-US"/>
           </a:p>
@@ -6817,7 +6817,7 @@
           <a:p>
             <a:fld id="{0EAB0777-4C60-462E-A92C-CDAFD498799C}" type="datetimeFigureOut">
               <a:rPr lang="en-US" smtClean="0"/>
-              <a:t>2/28/2015</a:t>
+              <a:t>6/6/2016</a:t>
             </a:fld>
             <a:endParaRPr lang="en-US"/>
           </a:p>
@@ -7493,11 +7493,7 @@
           <a:p>
             <a:r>
               <a:rPr lang="en-US" dirty="0" smtClean="0"/>
-              <a:t>3</a:t>
-            </a:r>
-            <a:r>
-              <a:rPr lang="en-US" dirty="0" smtClean="0"/>
-              <a:t>-Mar-2015</a:t>
+              <a:t>3-Mar-2015</a:t>
             </a:r>
             <a:endParaRPr lang="en-AU" dirty="0"/>
           </a:p>
@@ -7967,7 +7963,6 @@
               <a:rPr lang="en-US" dirty="0"/>
               <a:t>interactive widgets</a:t>
             </a:r>
-            <a:endParaRPr lang="en-US" dirty="0"/>
           </a:p>
         </p:txBody>
       </p:sp>
@@ -8886,8 +8881,8 @@
               <a:t>support now </a:t>
             </a:r>
             <a:r>
-              <a:rPr lang="en-US" dirty="0" err="1"/>
-              <a:t>standardaised</a:t>
+              <a:rPr lang="en-US" dirty="0" err="1" smtClean="0"/>
+              <a:t>standardised</a:t>
             </a:r>
             <a:endParaRPr lang="en-US" dirty="0"/>
           </a:p>
@@ -9062,11 +9057,7 @@
             <a:pPr lvl="1"/>
             <a:r>
               <a:rPr lang="en-US" dirty="0" smtClean="0"/>
-              <a:t>Browser </a:t>
-            </a:r>
-            <a:r>
-              <a:rPr lang="en-US" dirty="0" smtClean="0"/>
-              <a:t>runs a UI based on a JavaScript framework</a:t>
+              <a:t>Browser runs a UI based on a JavaScript framework</a:t>
             </a:r>
           </a:p>
           <a:p>
@@ -9076,8 +9067,8 @@
               <a:t>Angular.js, Io.js, Ember.js, Backbone.js, </a:t>
             </a:r>
             <a:r>
-              <a:rPr lang="en-US" dirty="0" err="1" smtClean="0"/>
-              <a:t>etc</a:t>
+              <a:rPr lang="en-US" dirty="0" smtClean="0"/>
+              <a:t>etc.</a:t>
             </a:r>
             <a:endParaRPr lang="en-US" dirty="0" smtClean="0"/>
           </a:p>
@@ -9101,7 +9092,6 @@
               <a:rPr lang="en-US" dirty="0" smtClean="0"/>
               <a:t>Data exchange using SOAP, XML, JSON, …</a:t>
             </a:r>
-            <a:endParaRPr lang="en-US" dirty="0" smtClean="0"/>
           </a:p>
         </p:txBody>
       </p:sp>
@@ -9212,12 +9202,12 @@
               <a:t>Web pages are an excellent mechanism for </a:t>
             </a:r>
             <a:r>
-              <a:rPr lang="en-AU" dirty="0" err="1"/>
-              <a:t>deployng</a:t>
-            </a:r>
-            <a:r>
-              <a:rPr lang="en-AU" dirty="0"/>
-              <a:t> content to users</a:t>
+              <a:rPr lang="en-AU" dirty="0" smtClean="0"/>
+              <a:t>deploying </a:t>
+            </a:r>
+            <a:r>
+              <a:rPr lang="en-AU" dirty="0"/>
+              <a:t>content to users</a:t>
             </a:r>
           </a:p>
           <a:p>
